--- a/week9_ML_svm_poly_norm/day3_cicd_encoding_metrics_knn_svm_nlr/knn/theory/Machine Learning - Knn.pptx
+++ b/week9_ML_svm_poly_norm/day3_cicd_encoding_metrics_knn_svm_nlr/knn/theory/Machine Learning - Knn.pptx
@@ -137,33 +137,12 @@
 </p:cmAuthorLst>
 </file>
 
-<file path=ppt/changesInfos/changesInfo1.xml><?xml version="1.0" encoding="utf-8"?>
-<pc:chgInfo xmlns:a="http://schemas.openxmlformats.org/drawingml/2006/main" xmlns:r="http://schemas.openxmlformats.org/officeDocument/2006/relationships" xmlns:ac="http://schemas.microsoft.com/office/drawing/2013/main/command" xmlns:pc="http://schemas.microsoft.com/office/powerpoint/2013/main/command">
-  <pc:docChgLst>
-    <pc:chgData name="xyang0911@gmail.com" userId="703efaab84c47698" providerId="LiveId" clId="{B52175BD-7528-41F9-BACE-F182AEC4C9D2}"/>
-    <pc:docChg chg="custSel modSld">
-      <pc:chgData name="xyang0911@gmail.com" userId="703efaab84c47698" providerId="LiveId" clId="{B52175BD-7528-41F9-BACE-F182AEC4C9D2}" dt="2021-06-10T10:07:04.398" v="88" actId="20577"/>
-      <pc:docMkLst>
-        <pc:docMk/>
-      </pc:docMkLst>
-      <pc:sldChg chg="modSp mod">
-        <pc:chgData name="xyang0911@gmail.com" userId="703efaab84c47698" providerId="LiveId" clId="{B52175BD-7528-41F9-BACE-F182AEC4C9D2}" dt="2021-06-10T10:07:04.398" v="88" actId="20577"/>
-        <pc:sldMkLst>
-          <pc:docMk/>
-          <pc:sldMk cId="325700254" sldId="291"/>
-        </pc:sldMkLst>
-        <pc:spChg chg="mod">
-          <ac:chgData name="xyang0911@gmail.com" userId="703efaab84c47698" providerId="LiveId" clId="{B52175BD-7528-41F9-BACE-F182AEC4C9D2}" dt="2021-06-10T10:07:04.398" v="88" actId="20577"/>
-          <ac:spMkLst>
-            <pc:docMk/>
-            <pc:sldMk cId="325700254" sldId="291"/>
-            <ac:spMk id="7" creationId="{E886D65F-45F7-42D8-BB34-6D4932E6626B}"/>
-          </ac:spMkLst>
-        </pc:spChg>
-      </pc:sldChg>
-    </pc:docChg>
-  </pc:docChgLst>
-</pc:chgInfo>
+<file path=ppt/revisionInfo.xml><?xml version="1.0" encoding="utf-8"?>
+<p1510:revInfo xmlns:a="http://schemas.openxmlformats.org/drawingml/2006/main" xmlns:r="http://schemas.openxmlformats.org/officeDocument/2006/relationships" xmlns:p1510="http://schemas.microsoft.com/office/powerpoint/2015/10/main">
+  <p1510:revLst>
+    <p1510:client id="{756DCC15-1F76-4749-AA77-62CC3480AB5D}" v="35" dt="2020-05-13T17:28:38.728"/>
+  </p1510:revLst>
+</p1510:revInfo>
 </file>
 
 <file path=ppt/notesMasters/notesMaster1.xml><?xml version="1.0" encoding="utf-8"?>
@@ -407,7 +386,7 @@
           <a:p>
             <a:fld id="{63D93026-1E8D-47D2-B9FC-F3B11254A409}" type="slidenum">
               <a:rPr lang="es-ES" smtClean="0"/>
-              <a:t>‹Nº›</a:t>
+              <a:t>‹#›</a:t>
             </a:fld>
             <a:endParaRPr lang="es-ES"/>
           </a:p>
@@ -1659,7 +1638,7 @@
             <a:fld id="{D57F1E4F-1CFF-5643-939E-217C01CDF565}" type="slidenum">
               <a:rPr lang="en-US" smtClean="0"/>
               <a:pPr/>
-              <a:t>‹Nº›</a:t>
+              <a:t>‹#›</a:t>
             </a:fld>
             <a:endParaRPr lang="en-US" dirty="0"/>
           </a:p>
@@ -1830,7 +1809,7 @@
             <a:fld id="{D57F1E4F-1CFF-5643-939E-217C01CDF565}" type="slidenum">
               <a:rPr lang="en-US" smtClean="0"/>
               <a:pPr/>
-              <a:t>‹Nº›</a:t>
+              <a:t>‹#›</a:t>
             </a:fld>
             <a:endParaRPr lang="en-US" dirty="0"/>
           </a:p>
@@ -2011,7 +1990,7 @@
             <a:fld id="{D57F1E4F-1CFF-5643-939E-217C01CDF565}" type="slidenum">
               <a:rPr lang="en-US" smtClean="0"/>
               <a:pPr/>
-              <a:t>‹Nº›</a:t>
+              <a:t>‹#›</a:t>
             </a:fld>
             <a:endParaRPr lang="en-US" dirty="0"/>
           </a:p>
@@ -2182,7 +2161,7 @@
             <a:fld id="{D57F1E4F-1CFF-5643-939E-217C01CDF565}" type="slidenum">
               <a:rPr lang="en-US" smtClean="0"/>
               <a:pPr/>
-              <a:t>‹Nº›</a:t>
+              <a:t>‹#›</a:t>
             </a:fld>
             <a:endParaRPr lang="en-US" dirty="0"/>
           </a:p>
@@ -2429,7 +2408,7 @@
             <a:fld id="{D57F1E4F-1CFF-5643-939E-217C01CDF565}" type="slidenum">
               <a:rPr lang="en-US" smtClean="0"/>
               <a:pPr/>
-              <a:t>‹Nº›</a:t>
+              <a:t>‹#›</a:t>
             </a:fld>
             <a:endParaRPr lang="en-US" dirty="0"/>
           </a:p>
@@ -2662,7 +2641,7 @@
             <a:fld id="{D57F1E4F-1CFF-5643-939E-217C01CDF565}" type="slidenum">
               <a:rPr lang="en-US" smtClean="0"/>
               <a:pPr/>
-              <a:t>‹Nº›</a:t>
+              <a:t>‹#›</a:t>
             </a:fld>
             <a:endParaRPr lang="en-US" dirty="0"/>
           </a:p>
@@ -3030,7 +3009,7 @@
             <a:fld id="{D57F1E4F-1CFF-5643-939E-217C01CDF565}" type="slidenum">
               <a:rPr lang="en-US" smtClean="0"/>
               <a:pPr/>
-              <a:t>‹Nº›</a:t>
+              <a:t>‹#›</a:t>
             </a:fld>
             <a:endParaRPr lang="en-US" dirty="0"/>
           </a:p>
@@ -3149,7 +3128,7 @@
             <a:fld id="{D57F1E4F-1CFF-5643-939E-217C01CDF565}" type="slidenum">
               <a:rPr lang="en-US" smtClean="0"/>
               <a:pPr/>
-              <a:t>‹Nº›</a:t>
+              <a:t>‹#›</a:t>
             </a:fld>
             <a:endParaRPr lang="en-US" dirty="0"/>
           </a:p>
@@ -3245,7 +3224,7 @@
             <a:fld id="{D57F1E4F-1CFF-5643-939E-217C01CDF565}" type="slidenum">
               <a:rPr lang="en-US" smtClean="0"/>
               <a:pPr/>
-              <a:t>‹Nº›</a:t>
+              <a:t>‹#›</a:t>
             </a:fld>
             <a:endParaRPr lang="en-US" dirty="0"/>
           </a:p>
@@ -3523,7 +3502,7 @@
             <a:fld id="{D57F1E4F-1CFF-5643-939E-217C01CDF565}" type="slidenum">
               <a:rPr lang="en-US" smtClean="0"/>
               <a:pPr/>
-              <a:t>‹Nº›</a:t>
+              <a:t>‹#›</a:t>
             </a:fld>
             <a:endParaRPr lang="en-US" dirty="0"/>
           </a:p>
@@ -3781,7 +3760,7 @@
             <a:fld id="{D57F1E4F-1CFF-5643-939E-217C01CDF565}" type="slidenum">
               <a:rPr lang="en-US" smtClean="0"/>
               <a:pPr/>
-              <a:t>‹Nº›</a:t>
+              <a:t>‹#›</a:t>
             </a:fld>
             <a:endParaRPr lang="en-US" dirty="0"/>
           </a:p>
@@ -4031,7 +4010,7 @@
             <a:fld id="{D57F1E4F-1CFF-5643-939E-217C01CDF565}" type="slidenum">
               <a:rPr lang="en-US" smtClean="0"/>
               <a:pPr/>
-              <a:t>‹Nº›</a:t>
+              <a:t>‹#›</a:t>
             </a:fld>
             <a:endParaRPr lang="en-US" dirty="0"/>
           </a:p>
@@ -5701,7 +5680,7 @@
         </p:spPr>
         <p:txBody>
           <a:bodyPr>
-            <a:normAutofit fontScale="92500" lnSpcReduction="10000"/>
+            <a:normAutofit lnSpcReduction="10000"/>
           </a:bodyPr>
           <a:lstStyle/>
           <a:p>
@@ -5731,73 +5710,8 @@
             </a:r>
             <a:r>
               <a:rPr lang="en-GB" sz="1800" dirty="0"/>
-              <a:t>. ( Que no </a:t>
-            </a:r>
-            <a:r>
-              <a:rPr lang="en-GB" sz="1800" dirty="0" err="1"/>
-              <a:t>puedes</a:t>
-            </a:r>
-            <a:r>
-              <a:rPr lang="en-GB" sz="1800" dirty="0"/>
-              <a:t> </a:t>
-            </a:r>
-            <a:r>
-              <a:rPr lang="en-GB" sz="1800" dirty="0" err="1"/>
-              <a:t>hacer</a:t>
-            </a:r>
-            <a:r>
-              <a:rPr lang="en-GB" sz="1800" dirty="0"/>
-              <a:t> una </a:t>
-            </a:r>
-            <a:r>
-              <a:rPr lang="en-GB" sz="1800" dirty="0" err="1"/>
-              <a:t>serie</a:t>
-            </a:r>
-            <a:r>
-              <a:rPr lang="en-GB" sz="1800" dirty="0"/>
-              <a:t> de </a:t>
-            </a:r>
-            <a:r>
-              <a:rPr lang="en-GB" sz="1800" dirty="0" err="1"/>
-              <a:t>asunciones</a:t>
-            </a:r>
-            <a:r>
-              <a:rPr lang="en-GB" sz="1800" dirty="0"/>
-              <a:t> de que </a:t>
-            </a:r>
-            <a:r>
-              <a:rPr lang="en-GB" sz="1800" dirty="0" err="1"/>
-              <a:t>todos</a:t>
-            </a:r>
-            <a:r>
-              <a:rPr lang="en-GB" sz="1800" dirty="0"/>
-              <a:t> los </a:t>
-            </a:r>
-            <a:r>
-              <a:rPr lang="en-GB" sz="1800" dirty="0" err="1"/>
-              <a:t>datos</a:t>
-            </a:r>
-            <a:r>
-              <a:rPr lang="en-GB" sz="1800" dirty="0"/>
-              <a:t> </a:t>
-            </a:r>
-            <a:r>
-              <a:rPr lang="en-GB" sz="1800" dirty="0" err="1"/>
-              <a:t>vayan</a:t>
-            </a:r>
-            <a:r>
-              <a:rPr lang="en-GB" sz="1800" dirty="0"/>
-              <a:t> a ser </a:t>
-            </a:r>
-            <a:r>
-              <a:rPr lang="en-GB" sz="1800" dirty="0" err="1"/>
-              <a:t>así</a:t>
-            </a:r>
-            <a:r>
-              <a:rPr lang="en-GB" sz="1800"/>
-              <a:t>)</a:t>
-            </a:r>
-            <a:endParaRPr lang="en-GB" sz="1800" dirty="0"/>
+              <a:t>.</a:t>
+            </a:r>
           </a:p>
           <a:p>
             <a:pPr marL="0" indent="0">
